--- a/Unit 1/6371 FLS 1 Ver 2.pptx
+++ b/Unit 1/6371 FLS 1 Ver 2.pptx
@@ -236,7 +236,7 @@
           <a:p>
             <a:fld id="{28570D6A-FB49-A14C-9B03-21B3417100CD}" type="datetimeFigureOut">
               <a:rPr lang="en-US" smtClean="0"/>
-              <a:t>4/24/21</a:t>
+              <a:t>8/16/23</a:t>
             </a:fld>
             <a:endParaRPr lang="en-US" dirty="0"/>
           </a:p>
@@ -2653,8 +2653,8 @@
         </p:nvSpPr>
         <p:spPr>
           <a:xfrm>
-            <a:off x="609600" y="1825625"/>
-            <a:ext cx="11201400" cy="4351338"/>
+            <a:off x="190500" y="1676400"/>
+            <a:ext cx="11811000" cy="4800600"/>
           </a:xfrm>
         </p:spPr>
         <p:txBody>
@@ -2663,6 +2663,9 @@
           </a:bodyPr>
           <a:lstStyle/>
           <a:p>
+            <a:pPr marL="0" indent="0" algn="ctr">
+              <a:buNone/>
+            </a:pPr>
             <a:r>
               <a:rPr lang="en-US" dirty="0"/>
               <a:t>With respect the Creativity Study you read in the Statistical Sleuth, use the code provided to conduct a permutation test to test for a difference in mean score between those motivated intrinsically and extrinsically. </a:t>
@@ -2695,22 +2698,21 @@
             <a:pPr lvl="1"/>
             <a:r>
               <a:rPr lang="en-US" sz="1800" dirty="0"/>
-              <a:t>Check out the video resource that fully explains the code. </a:t>
+              <a:t>Check out the video resource that fully explains the code. VERY IMPORTANT… in the ASYNCH. :) </a:t>
+            </a:r>
+          </a:p>
+          <a:p>
+            <a:pPr lvl="2"/>
+            <a:r>
+              <a:rPr lang="en-US" sz="1400" dirty="0"/>
+              <a:t>Understanding and adapting code is a HUGE skill in Data Science... This is fun and very useful practice. </a:t>
             </a:r>
           </a:p>
           <a:p>
             <a:pPr lvl="1"/>
             <a:r>
               <a:rPr lang="en-US" sz="1800" dirty="0"/>
-              <a:t>Bring your questions to Live Session and place them at the end of the </a:t>
-            </a:r>
-            <a:r>
-              <a:rPr lang="en-US" sz="1800" dirty="0" err="1"/>
-              <a:t>powerpoint</a:t>
-            </a:r>
-            <a:r>
-              <a:rPr lang="en-US" sz="1800" dirty="0"/>
-              <a:t> deck.  </a:t>
+              <a:t>Bring your questions to Live Session and place them at the end of the PowerPoint deck.  </a:t>
             </a:r>
           </a:p>
         </p:txBody>
@@ -2807,7 +2809,15 @@
             </a:pPr>
             <a:r>
               <a:rPr lang="en-US" dirty="0"/>
-              <a:t>Please provide at least 4 takeaways from this section and any questions that you may have.  These questions will help design the live session for this unit.</a:t>
+              <a:t>Please provide </a:t>
+            </a:r>
+            <a:r>
+              <a:rPr lang="en-US" b="1" dirty="0"/>
+              <a:t>at least 4 takeaways </a:t>
+            </a:r>
+            <a:r>
+              <a:rPr lang="en-US" dirty="0"/>
+              <a:t>from this section and any questions that you may have.  These questions will help design the live session for this unit.</a:t>
             </a:r>
           </a:p>
           <a:p>
@@ -3146,13 +3156,13 @@
         </p:nvSpPr>
         <p:spPr>
           <a:xfrm>
-            <a:off x="1724026" y="1556426"/>
-            <a:ext cx="8658225" cy="5194570"/>
+            <a:off x="533400" y="1556426"/>
+            <a:ext cx="11201400" cy="5194570"/>
           </a:xfrm>
         </p:spPr>
         <p:txBody>
           <a:bodyPr>
-            <a:normAutofit fontScale="62500" lnSpcReduction="20000"/>
+            <a:normAutofit fontScale="55000" lnSpcReduction="20000"/>
           </a:bodyPr>
           <a:lstStyle/>
           <a:p>
@@ -3162,16 +3172,34 @@
             </a:r>
           </a:p>
           <a:p>
+            <a:pPr marL="0" indent="0">
+              <a:buNone/>
+            </a:pPr>
+            <a:endParaRPr lang="en-US" dirty="0"/>
+          </a:p>
+          <a:p>
             <a:r>
               <a:rPr lang="en-US" dirty="0"/>
               <a:t>It is important to note that the goal of the activities is to become familiar with the methods, ideas and implementation involved in that activity so that we can efficiently iron out all the details in live session.  </a:t>
             </a:r>
           </a:p>
           <a:p>
+            <a:pPr marL="0" indent="0">
+              <a:buNone/>
+            </a:pPr>
+            <a:endParaRPr lang="en-US" dirty="0"/>
+          </a:p>
+          <a:p>
             <a:r>
               <a:rPr lang="en-US" dirty="0"/>
               <a:t>Analogy: You are building the pieces of puzzle in the For Live Session Activity and we are putting them together to see the big picture in live session. </a:t>
             </a:r>
+          </a:p>
+          <a:p>
+            <a:pPr marL="0" indent="0">
+              <a:buNone/>
+            </a:pPr>
+            <a:endParaRPr lang="en-US" dirty="0"/>
           </a:p>
           <a:p>
             <a:r>
@@ -3188,10 +3216,26 @@
             </a:r>
           </a:p>
           <a:p>
-            <a:r>
-              <a:rPr lang="en-US" dirty="0"/>
-              <a:t>If you max out the indicated time without finishing the activity and you don’t have more time to finish, simply write up what you have learned by that time and record any questions you might have and we will address those in live session!  </a:t>
-            </a:r>
+            <a:pPr marL="0" indent="0">
+              <a:buNone/>
+            </a:pPr>
+            <a:endParaRPr lang="en-US" dirty="0"/>
+          </a:p>
+          <a:p>
+            <a:r>
+              <a:rPr lang="en-US" dirty="0"/>
+              <a:t>If you max out the indicated time without finishing the activity and you don’t have more time to finish, simply write up what you have learned by that time and record any questions you might have and we will address those in live session</a:t>
+            </a:r>
+            <a:r>
+              <a:rPr lang="en-US"/>
+              <a:t>!  </a:t>
+            </a:r>
+          </a:p>
+          <a:p>
+            <a:pPr marL="0" indent="0">
+              <a:buNone/>
+            </a:pPr>
+            <a:endParaRPr lang="en-US" dirty="0"/>
           </a:p>
           <a:p>
             <a:r>

--- a/Unit 1/6371 FLS 1 Ver 2.pptx
+++ b/Unit 1/6371 FLS 1 Ver 2.pptx
@@ -236,7 +236,7 @@
           <a:p>
             <a:fld id="{28570D6A-FB49-A14C-9B03-21B3417100CD}" type="datetimeFigureOut">
               <a:rPr lang="en-US" smtClean="0"/>
-              <a:t>8/16/23</a:t>
+              <a:t>12/17/23</a:t>
             </a:fld>
             <a:endParaRPr lang="en-US" dirty="0"/>
           </a:p>
@@ -2771,7 +2771,7 @@
             <a:pPr algn="l"/>
             <a:r>
               <a:rPr lang="en-US" dirty="0"/>
-              <a:t>Question 6: Takeaways! (~ 1 Hour)</a:t>
+              <a:t>Question 6: Takeaways! (~ 1 .5 Hours)</a:t>
             </a:r>
           </a:p>
         </p:txBody>
@@ -3299,7 +3299,7 @@
         </p:nvSpPr>
         <p:spPr>
           <a:xfrm>
-            <a:off x="381000" y="-228600"/>
+            <a:off x="381000" y="2362200"/>
             <a:ext cx="11429999" cy="1325563"/>
           </a:xfrm>
         </p:spPr>
@@ -3314,33 +3314,34 @@
             </a:br>
             <a:r>
               <a:rPr lang="en-US" dirty="0"/>
-              <a:t>Question 1: Quick Quiz Questions(&lt;= 1 hour)</a:t>
-            </a:r>
-          </a:p>
-        </p:txBody>
-      </p:sp>
-      <p:sp>
-        <p:nvSpPr>
-          <p:cNvPr id="3" name="Content Placeholder 2">
-            <a:extLst>
-              <a:ext uri="{FF2B5EF4-FFF2-40B4-BE49-F238E27FC236}">
-                <a16:creationId xmlns:a16="http://schemas.microsoft.com/office/drawing/2014/main" id="{8F49C2E5-83D9-7C45-89D2-AAE0756EE34D}"/>
-              </a:ext>
-            </a:extLst>
-          </p:cNvPr>
-          <p:cNvSpPr>
-            <a:spLocks noGrp="1"/>
-          </p:cNvSpPr>
-          <p:nvPr>
-            <p:ph idx="1"/>
-          </p:nvPr>
-        </p:nvSpPr>
-        <p:spPr/>
-        <p:txBody>
-          <a:bodyPr/>
-          <a:lstStyle/>
-          <a:p>
-            <a:endParaRPr lang="en-US" dirty="0"/>
+              <a:t>Question </a:t>
+            </a:r>
+            <a:r>
+              <a:rPr lang="en-US"/>
+              <a:t>1 is </a:t>
+            </a:r>
+            <a:r>
+              <a:rPr lang="en-US" dirty="0"/>
+              <a:t>the </a:t>
+            </a:r>
+            <a:br>
+              <a:rPr lang="en-US" dirty="0"/>
+            </a:br>
+            <a:r>
+              <a:rPr lang="en-US" dirty="0"/>
+              <a:t>Quick </a:t>
+            </a:r>
+            <a:r>
+              <a:rPr lang="en-US"/>
+              <a:t>Quiz Questions!</a:t>
+            </a:r>
+            <a:br>
+              <a:rPr lang="en-US"/>
+            </a:br>
+            <a:r>
+              <a:rPr lang="en-US" dirty="0"/>
+              <a:t>(&lt;= 1 hour)</a:t>
+            </a:r>
           </a:p>
         </p:txBody>
       </p:sp>

--- a/Unit 1/6371 FLS 1 Ver 2.pptx
+++ b/Unit 1/6371 FLS 1 Ver 2.pptx
@@ -236,7 +236,7 @@
           <a:p>
             <a:fld id="{28570D6A-FB49-A14C-9B03-21B3417100CD}" type="datetimeFigureOut">
               <a:rPr lang="en-US" smtClean="0"/>
-              <a:t>12/17/23</a:t>
+              <a:t>5/4/24</a:t>
             </a:fld>
             <a:endParaRPr lang="en-US" dirty="0"/>
           </a:p>
@@ -3192,7 +3192,15 @@
           <a:p>
             <a:r>
               <a:rPr lang="en-US" dirty="0"/>
-              <a:t>Analogy: You are building the pieces of puzzle in the For Live Session Activity and we are putting them together to see the big picture in live session. </a:t>
+              <a:t>Analogy: You are building the pieces </a:t>
+            </a:r>
+            <a:r>
+              <a:rPr lang="en-US"/>
+              <a:t>of the puzzle </a:t>
+            </a:r>
+            <a:r>
+              <a:rPr lang="en-US" dirty="0"/>
+              <a:t>in the For Live Session Activity and we are putting them together to see the big picture in live session. </a:t>
             </a:r>
           </a:p>
           <a:p>
@@ -3224,11 +3232,7 @@
           <a:p>
             <a:r>
               <a:rPr lang="en-US" dirty="0"/>
-              <a:t>If you max out the indicated time without finishing the activity and you don’t have more time to finish, simply write up what you have learned by that time and record any questions you might have and we will address those in live session</a:t>
-            </a:r>
-            <a:r>
-              <a:rPr lang="en-US"/>
-              <a:t>!  </a:t>
+              <a:t>If you max out the indicated time without finishing the activity and you don’t have more time to finish, simply write up what you have learned by that time and record any questions you might have and we will address those in live session!  </a:t>
             </a:r>
           </a:p>
           <a:p>

--- a/Unit 1/6371 FLS 1 Ver 2.pptx
+++ b/Unit 1/6371 FLS 1 Ver 2.pptx
@@ -236,7 +236,7 @@
           <a:p>
             <a:fld id="{28570D6A-FB49-A14C-9B03-21B3417100CD}" type="datetimeFigureOut">
               <a:rPr lang="en-US" smtClean="0"/>
-              <a:t>5/4/24</a:t>
+              <a:t>4/23/25</a:t>
             </a:fld>
             <a:endParaRPr lang="en-US" dirty="0"/>
           </a:p>
@@ -2653,13 +2653,13 @@
         </p:nvSpPr>
         <p:spPr>
           <a:xfrm>
-            <a:off x="190500" y="1676400"/>
-            <a:ext cx="11811000" cy="4800600"/>
+            <a:off x="0" y="1676400"/>
+            <a:ext cx="12192000" cy="5029200"/>
           </a:xfrm>
         </p:spPr>
         <p:txBody>
           <a:bodyPr>
-            <a:normAutofit/>
+            <a:normAutofit lnSpcReduction="10000"/>
           </a:bodyPr>
           <a:lstStyle/>
           <a:p>
@@ -2667,9 +2667,28 @@
               <a:buNone/>
             </a:pPr>
             <a:r>
-              <a:rPr lang="en-US" dirty="0"/>
-              <a:t>With respect the Creativity Study you read in the Statistical Sleuth, use the code provided to conduct a permutation test to test for a difference in mean score between those motivated intrinsically and extrinsically. </a:t>
-            </a:r>
+              <a:rPr lang="en-US" sz="2800" dirty="0"/>
+              <a:t>With respect the Creativity Study you read in the Statistical Sleuth, use the code provided to conduct a permutation test to test for a difference in mean score between those motivated intrinsically and extrinsically.</a:t>
+            </a:r>
+          </a:p>
+          <a:p>
+            <a:pPr marL="0" indent="0" algn="ctr">
+              <a:buNone/>
+            </a:pPr>
+            <a:r>
+              <a:rPr lang="en-US" sz="2800" b="1" dirty="0"/>
+              <a:t>Deliverable</a:t>
+            </a:r>
+            <a:r>
+              <a:rPr lang="en-US" sz="2800" dirty="0"/>
+              <a:t>: Conduct the test in R or SAS and make a slide or slides describing the Assumption, Evidence, Probability and Decision/Conclusion.  </a:t>
+            </a:r>
+          </a:p>
+          <a:p>
+            <a:pPr marL="0" indent="0">
+              <a:buNone/>
+            </a:pPr>
+            <a:endParaRPr lang="en-US" dirty="0"/>
           </a:p>
           <a:p>
             <a:pPr marL="0" indent="0">
